--- a/資料庫系統final.pptx
+++ b/資料庫系統final.pptx
@@ -219,7 +219,7 @@
                 <a:latin typeface="Microsoft JhengHei UI" panose="020B0604030504040204" pitchFamily="34" charset="-120"/>
                 <a:ea typeface="Microsoft JhengHei UI" panose="020B0604030504040204" pitchFamily="34" charset="-120"/>
               </a:rPr>
-              <a:t>2022/11/7 Mon</a:t>
+              <a:t>2023/11/30 Thu</a:t>
             </a:fld>
             <a:endParaRPr lang="zh-TW" altLang="en-US" dirty="0">
               <a:latin typeface="Microsoft JhengHei UI" panose="020B0604030504040204" pitchFamily="34" charset="-120"/>
@@ -405,7 +405,7 @@
           <a:p>
             <a:fld id="{4D6F5E17-99B1-4C47-9487-9B84194F84BC}" type="datetime1">
               <a:rPr lang="zh-TW" altLang="en-US" noProof="0" smtClean="0"/>
-              <a:t>2022/11/7 Mon</a:t>
+              <a:t>2023/11/30 Thu</a:t>
             </a:fld>
             <a:endParaRPr lang="zh-TW" altLang="en-US" noProof="0" dirty="0"/>
           </a:p>
@@ -1661,7 +1661,7 @@
             <a:pPr rtl="0"/>
             <a:fld id="{779FF200-C23A-49A9-8EBD-3D9A20790F3A}" type="datetime1">
               <a:rPr lang="zh-TW" altLang="en-US" noProof="0" smtClean="0"/>
-              <a:t>2022/11/7 Mon</a:t>
+              <a:t>2023/11/30 Thu</a:t>
             </a:fld>
             <a:endParaRPr lang="zh-TW" altLang="en-US" noProof="0" dirty="0"/>
           </a:p>
@@ -1958,7 +1958,7 @@
             <a:pPr rtl="0"/>
             <a:fld id="{3064C98D-EC68-493C-86FD-04816113B27C}" type="datetime1">
               <a:rPr lang="zh-TW" altLang="en-US" noProof="0" smtClean="0"/>
-              <a:t>2022/11/7 Mon</a:t>
+              <a:t>2023/11/30 Thu</a:t>
             </a:fld>
             <a:endParaRPr lang="zh-TW" altLang="en-US" noProof="0" dirty="0"/>
           </a:p>
@@ -2206,7 +2206,7 @@
             <a:pPr rtl="0"/>
             <a:fld id="{2332E7E3-29C0-41C3-B9F2-A577E206813E}" type="datetime1">
               <a:rPr lang="zh-TW" altLang="en-US" noProof="0" smtClean="0"/>
-              <a:t>2022/11/7 Mon</a:t>
+              <a:t>2023/11/30 Thu</a:t>
             </a:fld>
             <a:endParaRPr lang="zh-TW" altLang="en-US" noProof="0" dirty="0"/>
           </a:p>
@@ -2763,7 +2763,7 @@
           <a:p>
             <a:fld id="{086BC115-265B-435A-ADC6-A6F9475D7DB4}" type="datetime1">
               <a:rPr lang="zh-TW" altLang="en-US" noProof="0" smtClean="0"/>
-              <a:t>2022/11/7 Mon</a:t>
+              <a:t>2023/11/30 Thu</a:t>
             </a:fld>
             <a:endParaRPr lang="zh-TW" altLang="en-US" noProof="0" dirty="0"/>
           </a:p>
@@ -3023,7 +3023,7 @@
             <a:pPr rtl="0"/>
             <a:fld id="{52719037-FC0F-4443-A900-E685DA558601}" type="datetime1">
               <a:rPr lang="zh-TW" altLang="en-US" noProof="0" smtClean="0"/>
-              <a:t>2022/11/7 Mon</a:t>
+              <a:t>2023/11/30 Thu</a:t>
             </a:fld>
             <a:endParaRPr lang="zh-TW" altLang="en-US" noProof="0" dirty="0"/>
           </a:p>
@@ -3571,7 +3571,7 @@
           <a:p>
             <a:fld id="{AAD5BE61-72C6-4046-B7A6-2750670B1890}" type="datetime1">
               <a:rPr lang="zh-TW" altLang="en-US" noProof="0" smtClean="0"/>
-              <a:t>2022/11/7 Mon</a:t>
+              <a:t>2023/11/30 Thu</a:t>
             </a:fld>
             <a:endParaRPr lang="zh-TW" altLang="en-US" noProof="0" dirty="0"/>
           </a:p>
@@ -3879,7 +3879,7 @@
             <a:pPr rtl="0"/>
             <a:fld id="{9316E6A0-FB36-4B65-A0B7-F0B053AAD0FA}" type="datetime1">
               <a:rPr lang="zh-TW" altLang="en-US" noProof="0" smtClean="0"/>
-              <a:t>2022/11/7 Mon</a:t>
+              <a:t>2023/11/30 Thu</a:t>
             </a:fld>
             <a:endParaRPr lang="zh-TW" altLang="en-US" noProof="0" dirty="0"/>
           </a:p>
@@ -4053,7 +4053,7 @@
             <a:pPr rtl="0"/>
             <a:fld id="{1A096CF3-FABB-400D-ABB0-708A1E8A4FB5}" type="datetime1">
               <a:rPr lang="zh-TW" altLang="en-US" noProof="0" smtClean="0"/>
-              <a:t>2022/11/7 Mon</a:t>
+              <a:t>2023/11/30 Thu</a:t>
             </a:fld>
             <a:endParaRPr lang="zh-TW" altLang="en-US" noProof="0" dirty="0"/>
           </a:p>
@@ -4233,7 +4233,7 @@
             <a:pPr rtl="0"/>
             <a:fld id="{CCC9BCDF-8C96-4BA0-BEC2-CFA32CF16D67}" type="datetime1">
               <a:rPr lang="zh-TW" altLang="en-US" noProof="0" smtClean="0"/>
-              <a:t>2022/11/7 Mon</a:t>
+              <a:t>2023/11/30 Thu</a:t>
             </a:fld>
             <a:endParaRPr lang="zh-TW" altLang="en-US" noProof="0" dirty="0"/>
           </a:p>
@@ -4403,7 +4403,7 @@
             <a:pPr rtl="0"/>
             <a:fld id="{4A316538-E816-43AD-A730-86EF08F77978}" type="datetime1">
               <a:rPr lang="zh-TW" altLang="en-US" noProof="0" smtClean="0"/>
-              <a:t>2022/11/7 Mon</a:t>
+              <a:t>2023/11/30 Thu</a:t>
             </a:fld>
             <a:endParaRPr lang="zh-TW" altLang="en-US" noProof="0" dirty="0"/>
           </a:p>
@@ -4654,7 +4654,7 @@
             <a:pPr rtl="0"/>
             <a:fld id="{CDE1E366-EFC9-4B30-BB2C-EC2F53219AAB}" type="datetime1">
               <a:rPr lang="zh-TW" altLang="en-US" noProof="0" smtClean="0"/>
-              <a:t>2022/11/7 Mon</a:t>
+              <a:t>2023/11/30 Thu</a:t>
             </a:fld>
             <a:endParaRPr lang="zh-TW" altLang="en-US" noProof="0" dirty="0"/>
           </a:p>
@@ -4951,7 +4951,7 @@
             <a:pPr rtl="0"/>
             <a:fld id="{5ABD7D9F-17FE-4AA6-A4EB-CFF08F43BE1C}" type="datetime1">
               <a:rPr lang="zh-TW" altLang="en-US" noProof="0" smtClean="0"/>
-              <a:t>2022/11/7 Mon</a:t>
+              <a:t>2023/11/30 Thu</a:t>
             </a:fld>
             <a:endParaRPr lang="zh-TW" altLang="en-US" noProof="0" dirty="0"/>
           </a:p>
@@ -5393,7 +5393,7 @@
             <a:pPr rtl="0"/>
             <a:fld id="{D387070D-648F-43E4-A10D-69C448F1A9AF}" type="datetime1">
               <a:rPr lang="zh-TW" altLang="en-US" noProof="0" smtClean="0"/>
-              <a:t>2022/11/7 Mon</a:t>
+              <a:t>2023/11/30 Thu</a:t>
             </a:fld>
             <a:endParaRPr lang="zh-TW" altLang="en-US" noProof="0" dirty="0"/>
           </a:p>
@@ -5511,7 +5511,7 @@
             <a:pPr rtl="0"/>
             <a:fld id="{D9800403-2696-4BBE-8C04-2D39AF41AFFB}" type="datetime1">
               <a:rPr lang="zh-TW" altLang="en-US" noProof="0" smtClean="0"/>
-              <a:t>2022/11/7 Mon</a:t>
+              <a:t>2023/11/30 Thu</a:t>
             </a:fld>
             <a:endParaRPr lang="zh-TW" altLang="en-US" noProof="0" dirty="0"/>
           </a:p>
@@ -5605,7 +5605,7 @@
             <a:pPr rtl="0"/>
             <a:fld id="{0BA9D5EC-7435-4A15-82A4-2720F078E665}" type="datetime1">
               <a:rPr lang="zh-TW" altLang="en-US" noProof="0" smtClean="0"/>
-              <a:t>2022/11/7 Mon</a:t>
+              <a:t>2023/11/30 Thu</a:t>
             </a:fld>
             <a:endParaRPr lang="zh-TW" altLang="en-US" noProof="0" dirty="0"/>
           </a:p>
@@ -5888,7 +5888,7 @@
             <a:pPr rtl="0"/>
             <a:fld id="{6B3636BD-E3A3-4E92-8787-A2AF5D670D86}" type="datetime1">
               <a:rPr lang="zh-TW" altLang="en-US" noProof="0" smtClean="0"/>
-              <a:t>2022/11/7 Mon</a:t>
+              <a:t>2023/11/30 Thu</a:t>
             </a:fld>
             <a:endParaRPr lang="zh-TW" altLang="en-US" noProof="0" dirty="0"/>
           </a:p>
@@ -6180,7 +6180,7 @@
             <a:pPr rtl="0"/>
             <a:fld id="{762472C3-44DD-44EC-8B9D-425F7116E445}" type="datetime1">
               <a:rPr lang="zh-TW" altLang="en-US" noProof="0" smtClean="0"/>
-              <a:t>2022/11/7 Mon</a:t>
+              <a:t>2023/11/30 Thu</a:t>
             </a:fld>
             <a:endParaRPr lang="zh-TW" altLang="en-US" noProof="0" dirty="0"/>
           </a:p>
@@ -6708,7 +6708,7 @@
           <a:p>
             <a:fld id="{7BC4E484-47F7-4AAD-A573-8929AE30A1AF}" type="datetime1">
               <a:rPr lang="zh-TW" altLang="en-US" noProof="0" smtClean="0"/>
-              <a:t>2022/11/7 Mon</a:t>
+              <a:t>2023/11/30 Thu</a:t>
             </a:fld>
             <a:endParaRPr lang="zh-TW" altLang="en-US" noProof="0" dirty="0"/>
           </a:p>
@@ -7400,6 +7400,13 @@
               <a:noFill/>
             </a:ln>
           </p:spPr>
+          <p:txBody>
+            <a:bodyPr/>
+            <a:lstStyle/>
+            <a:p>
+              <a:endParaRPr lang="zh-TW" altLang="en-US"/>
+            </a:p>
+          </p:txBody>
         </p:sp>
         <p:sp>
           <p:nvSpPr>
@@ -7464,6 +7471,13 @@
               <a:noFill/>
             </a:ln>
           </p:spPr>
+          <p:txBody>
+            <a:bodyPr/>
+            <a:lstStyle/>
+            <a:p>
+              <a:endParaRPr lang="zh-TW" altLang="en-US"/>
+            </a:p>
+          </p:txBody>
         </p:sp>
         <p:sp>
           <p:nvSpPr>
@@ -7522,6 +7536,13 @@
               <a:noFill/>
             </a:ln>
           </p:spPr>
+          <p:txBody>
+            <a:bodyPr/>
+            <a:lstStyle/>
+            <a:p>
+              <a:endParaRPr lang="zh-TW" altLang="en-US"/>
+            </a:p>
+          </p:txBody>
         </p:sp>
         <p:sp>
           <p:nvSpPr>
@@ -7582,6 +7603,13 @@
               <a:noFill/>
             </a:ln>
           </p:spPr>
+          <p:txBody>
+            <a:bodyPr/>
+            <a:lstStyle/>
+            <a:p>
+              <a:endParaRPr lang="zh-TW" altLang="en-US"/>
+            </a:p>
+          </p:txBody>
         </p:sp>
         <p:sp>
           <p:nvSpPr>
@@ -7648,6 +7676,13 @@
               <a:noFill/>
             </a:ln>
           </p:spPr>
+          <p:txBody>
+            <a:bodyPr/>
+            <a:lstStyle/>
+            <a:p>
+              <a:endParaRPr lang="zh-TW" altLang="en-US"/>
+            </a:p>
+          </p:txBody>
         </p:sp>
         <p:sp>
           <p:nvSpPr>
@@ -7718,6 +7753,13 @@
               <a:noFill/>
             </a:ln>
           </p:spPr>
+          <p:txBody>
+            <a:bodyPr/>
+            <a:lstStyle/>
+            <a:p>
+              <a:endParaRPr lang="zh-TW" altLang="en-US"/>
+            </a:p>
+          </p:txBody>
         </p:sp>
       </p:grpSp>
       <p:sp>
@@ -7830,193 +7872,6 @@
               <a:latin typeface="Microsoft YaHei" panose="020B0503020204020204" pitchFamily="34" charset="-122"/>
               <a:ea typeface="Microsoft YaHei" panose="020B0503020204020204" pitchFamily="34" charset="-122"/>
             </a:endParaRPr>
-          </a:p>
-        </p:txBody>
-      </p:sp>
-      <p:sp>
-        <p:nvSpPr>
-          <p:cNvPr id="11" name="文字方塊 10">
-            <a:extLst>
-              <a:ext uri="{FF2B5EF4-FFF2-40B4-BE49-F238E27FC236}">
-                <a16:creationId xmlns:a16="http://schemas.microsoft.com/office/drawing/2014/main" id="{68ADFBAB-832B-AB64-D0E5-A57EE0469BB3}"/>
-              </a:ext>
-            </a:extLst>
-          </p:cNvPr>
-          <p:cNvSpPr txBox="1"/>
-          <p:nvPr/>
-        </p:nvSpPr>
-        <p:spPr>
-          <a:xfrm>
-            <a:off x="4098829" y="5344085"/>
-            <a:ext cx="6094602" cy="646331"/>
-          </a:xfrm>
-          <a:prstGeom prst="rect">
-            <a:avLst/>
-          </a:prstGeom>
-          <a:noFill/>
-        </p:spPr>
-        <p:txBody>
-          <a:bodyPr wrap="square">
-            <a:spAutoFit/>
-          </a:bodyPr>
-          <a:lstStyle/>
-          <a:p>
-            <a:r>
-              <a:rPr lang="zh-TW" altLang="en-US" dirty="0">
-                <a:solidFill>
-                  <a:schemeClr val="tx1">
-                    <a:lumMod val="75000"/>
-                  </a:schemeClr>
-                </a:solidFill>
-                <a:latin typeface="Microsoft YaHei" panose="020B0503020204020204" pitchFamily="34" charset="-122"/>
-                <a:ea typeface="Microsoft YaHei" panose="020B0503020204020204" pitchFamily="34" charset="-122"/>
-              </a:rPr>
-              <a:t>蔡承翰 </a:t>
-            </a:r>
-            <a:r>
-              <a:rPr lang="en-US" altLang="zh-TW" dirty="0">
-                <a:solidFill>
-                  <a:schemeClr val="tx1">
-                    <a:lumMod val="75000"/>
-                  </a:schemeClr>
-                </a:solidFill>
-                <a:latin typeface="Microsoft YaHei" panose="020B0503020204020204" pitchFamily="34" charset="-122"/>
-                <a:ea typeface="Microsoft YaHei" panose="020B0503020204020204" pitchFamily="34" charset="-122"/>
-              </a:rPr>
-              <a:t>10903082A</a:t>
-            </a:r>
-            <a:endParaRPr lang="zh-TW" altLang="en-US" dirty="0">
-              <a:solidFill>
-                <a:schemeClr val="tx1">
-                  <a:lumMod val="75000"/>
-                </a:schemeClr>
-              </a:solidFill>
-              <a:latin typeface="Microsoft YaHei" panose="020B0503020204020204" pitchFamily="34" charset="-122"/>
-              <a:ea typeface="Microsoft YaHei" panose="020B0503020204020204" pitchFamily="34" charset="-122"/>
-            </a:endParaRPr>
-          </a:p>
-          <a:p>
-            <a:endParaRPr lang="en-US" altLang="zh-TW" dirty="0">
-              <a:latin typeface="Microsoft YaHei" panose="020B0503020204020204" pitchFamily="34" charset="-122"/>
-              <a:ea typeface="Microsoft YaHei" panose="020B0503020204020204" pitchFamily="34" charset="-122"/>
-            </a:endParaRPr>
-          </a:p>
-        </p:txBody>
-      </p:sp>
-      <p:sp>
-        <p:nvSpPr>
-          <p:cNvPr id="13" name="文字方塊 12">
-            <a:extLst>
-              <a:ext uri="{FF2B5EF4-FFF2-40B4-BE49-F238E27FC236}">
-                <a16:creationId xmlns:a16="http://schemas.microsoft.com/office/drawing/2014/main" id="{9CCA356B-2E5E-05B5-B566-C301FBDB239B}"/>
-              </a:ext>
-            </a:extLst>
-          </p:cNvPr>
-          <p:cNvSpPr txBox="1"/>
-          <p:nvPr/>
-        </p:nvSpPr>
-        <p:spPr>
-          <a:xfrm>
-            <a:off x="4099527" y="4792696"/>
-            <a:ext cx="6094602" cy="369332"/>
-          </a:xfrm>
-          <a:prstGeom prst="rect">
-            <a:avLst/>
-          </a:prstGeom>
-          <a:noFill/>
-        </p:spPr>
-        <p:txBody>
-          <a:bodyPr wrap="square">
-            <a:spAutoFit/>
-          </a:bodyPr>
-          <a:lstStyle/>
-          <a:p>
-            <a:r>
-              <a:rPr lang="zh-TW" altLang="en-US" dirty="0">
-                <a:solidFill>
-                  <a:schemeClr val="tx1">
-                    <a:lumMod val="75000"/>
-                  </a:schemeClr>
-                </a:solidFill>
-                <a:latin typeface="Microsoft YaHei" panose="020B0503020204020204" pitchFamily="34" charset="-122"/>
-                <a:ea typeface="Microsoft YaHei" panose="020B0503020204020204" pitchFamily="34" charset="-122"/>
-              </a:rPr>
-              <a:t>洪育祥 </a:t>
-            </a:r>
-            <a:r>
-              <a:rPr lang="en-US" altLang="zh-TW" dirty="0">
-                <a:solidFill>
-                  <a:schemeClr val="tx1">
-                    <a:lumMod val="75000"/>
-                  </a:schemeClr>
-                </a:solidFill>
-                <a:latin typeface="Microsoft YaHei" panose="020B0503020204020204" pitchFamily="34" charset="-122"/>
-                <a:ea typeface="Microsoft YaHei" panose="020B0503020204020204" pitchFamily="34" charset="-122"/>
-              </a:rPr>
-              <a:t>10903070A</a:t>
-            </a:r>
-            <a:endParaRPr lang="zh-TW" altLang="en-US" dirty="0">
-              <a:solidFill>
-                <a:schemeClr val="tx1">
-                  <a:lumMod val="75000"/>
-                </a:schemeClr>
-              </a:solidFill>
-            </a:endParaRPr>
-          </a:p>
-        </p:txBody>
-      </p:sp>
-      <p:sp>
-        <p:nvSpPr>
-          <p:cNvPr id="15" name="文字方塊 14">
-            <a:extLst>
-              <a:ext uri="{FF2B5EF4-FFF2-40B4-BE49-F238E27FC236}">
-                <a16:creationId xmlns:a16="http://schemas.microsoft.com/office/drawing/2014/main" id="{7AB40ADF-D933-7E83-5B38-BD7D30A126DB}"/>
-              </a:ext>
-            </a:extLst>
-          </p:cNvPr>
-          <p:cNvSpPr txBox="1"/>
-          <p:nvPr/>
-        </p:nvSpPr>
-        <p:spPr>
-          <a:xfrm>
-            <a:off x="683642" y="5344085"/>
-            <a:ext cx="2383958" cy="369332"/>
-          </a:xfrm>
-          <a:prstGeom prst="rect">
-            <a:avLst/>
-          </a:prstGeom>
-          <a:noFill/>
-        </p:spPr>
-        <p:txBody>
-          <a:bodyPr wrap="square">
-            <a:spAutoFit/>
-          </a:bodyPr>
-          <a:lstStyle/>
-          <a:p>
-            <a:r>
-              <a:rPr lang="zh-TW" altLang="en-US" dirty="0">
-                <a:solidFill>
-                  <a:schemeClr val="tx1">
-                    <a:lumMod val="75000"/>
-                  </a:schemeClr>
-                </a:solidFill>
-                <a:latin typeface="Microsoft YaHei" panose="020B0503020204020204" pitchFamily="34" charset="-122"/>
-                <a:ea typeface="Microsoft YaHei" panose="020B0503020204020204" pitchFamily="34" charset="-122"/>
-              </a:rPr>
-              <a:t>江柏維 </a:t>
-            </a:r>
-            <a:r>
-              <a:rPr lang="en-US" altLang="zh-TW" dirty="0">
-                <a:solidFill>
-                  <a:schemeClr val="tx1">
-                    <a:lumMod val="75000"/>
-                  </a:schemeClr>
-                </a:solidFill>
-                <a:latin typeface="Microsoft YaHei" panose="020B0503020204020204" pitchFamily="34" charset="-122"/>
-                <a:ea typeface="Microsoft YaHei" panose="020B0503020204020204" pitchFamily="34" charset="-122"/>
-              </a:rPr>
-              <a:t>10922020A</a:t>
-            </a:r>
           </a:p>
         </p:txBody>
       </p:sp>
@@ -8266,6 +8121,13 @@
               <a:noFill/>
             </a:ln>
           </p:spPr>
+          <p:txBody>
+            <a:bodyPr/>
+            <a:lstStyle/>
+            <a:p>
+              <a:endParaRPr lang="zh-TW" altLang="en-US"/>
+            </a:p>
+          </p:txBody>
         </p:sp>
         <p:sp>
           <p:nvSpPr>
@@ -8330,6 +8192,13 @@
               <a:noFill/>
             </a:ln>
           </p:spPr>
+          <p:txBody>
+            <a:bodyPr/>
+            <a:lstStyle/>
+            <a:p>
+              <a:endParaRPr lang="zh-TW" altLang="en-US"/>
+            </a:p>
+          </p:txBody>
         </p:sp>
         <p:sp>
           <p:nvSpPr>
@@ -8388,6 +8257,13 @@
               <a:noFill/>
             </a:ln>
           </p:spPr>
+          <p:txBody>
+            <a:bodyPr/>
+            <a:lstStyle/>
+            <a:p>
+              <a:endParaRPr lang="zh-TW" altLang="en-US"/>
+            </a:p>
+          </p:txBody>
         </p:sp>
         <p:sp>
           <p:nvSpPr>
@@ -8448,6 +8324,13 @@
               <a:noFill/>
             </a:ln>
           </p:spPr>
+          <p:txBody>
+            <a:bodyPr/>
+            <a:lstStyle/>
+            <a:p>
+              <a:endParaRPr lang="zh-TW" altLang="en-US"/>
+            </a:p>
+          </p:txBody>
         </p:sp>
         <p:sp>
           <p:nvSpPr>
@@ -8514,6 +8397,13 @@
               <a:noFill/>
             </a:ln>
           </p:spPr>
+          <p:txBody>
+            <a:bodyPr/>
+            <a:lstStyle/>
+            <a:p>
+              <a:endParaRPr lang="zh-TW" altLang="en-US"/>
+            </a:p>
+          </p:txBody>
         </p:sp>
         <p:sp>
           <p:nvSpPr>
@@ -8584,6 +8474,13 @@
               <a:noFill/>
             </a:ln>
           </p:spPr>
+          <p:txBody>
+            <a:bodyPr/>
+            <a:lstStyle/>
+            <a:p>
+              <a:endParaRPr lang="zh-TW" altLang="en-US"/>
+            </a:p>
+          </p:txBody>
         </p:sp>
       </p:grpSp>
       <p:pic>
@@ -11402,15 +11299,6 @@
 </file>
 
 <file path=customXml/item1.xml><?xml version="1.0" encoding="utf-8"?>
-<?mso-contentType ?>
-<FormTemplates xmlns="http://schemas.microsoft.com/sharepoint/v3/contenttype/forms">
-  <Display>DocumentLibraryForm</Display>
-  <Edit>DocumentLibraryForm</Edit>
-  <New>DocumentLibraryForm</New>
-</FormTemplates>
-</file>
-
-<file path=customXml/item2.xml><?xml version="1.0" encoding="utf-8"?>
 <ct:contentTypeSchema xmlns:ct="http://schemas.microsoft.com/office/2006/metadata/contentType" xmlns:ma="http://schemas.microsoft.com/office/2006/metadata/properties/metaAttributes" ct:_="" ma:_="" ma:contentTypeName="Document" ma:contentTypeID="0x01010079F111ED35F8CC479449609E8A0923A6" ma:contentTypeVersion="11" ma:contentTypeDescription="Create a new document." ma:contentTypeScope="" ma:versionID="9677210f24a1be23c92c90fd886aa0aa">
   <xsd:schema xmlns:xsd="http://www.w3.org/2001/XMLSchema" xmlns:xs="http://www.w3.org/2001/XMLSchema" xmlns:p="http://schemas.microsoft.com/office/2006/metadata/properties" xmlns:ns2="71af3243-3dd4-4a8d-8c0d-dd76da1f02a5" xmlns:ns3="16c05727-aa75-4e4a-9b5f-8a80a1165891" targetNamespace="http://schemas.microsoft.com/office/2006/metadata/properties" ma:root="true" ma:fieldsID="60e05723c5c1908df1a1a4ebf11d344e" ns2:_="" ns3:_="">
     <xsd:import namespace="71af3243-3dd4-4a8d-8c0d-dd76da1f02a5"/>
@@ -11621,6 +11509,15 @@
 </ct:contentTypeSchema>
 </file>
 
+<file path=customXml/item2.xml><?xml version="1.0" encoding="utf-8"?>
+<?mso-contentType ?>
+<FormTemplates xmlns="http://schemas.microsoft.com/sharepoint/v3/contenttype/forms">
+  <Display>DocumentLibraryForm</Display>
+  <Edit>DocumentLibraryForm</Edit>
+  <New>DocumentLibraryForm</New>
+</FormTemplates>
+</file>
+
 <file path=customXml/item3.xml><?xml version="1.0" encoding="utf-8"?>
 <p:properties xmlns:p="http://schemas.microsoft.com/office/2006/metadata/properties" xmlns:xsi="http://www.w3.org/2001/XMLSchema-instance" xmlns:pc="http://schemas.microsoft.com/office/infopath/2007/PartnerControls">
   <documentManagement>
@@ -11630,14 +11527,6 @@
 </file>
 
 <file path=customXml/itemProps1.xml><?xml version="1.0" encoding="utf-8"?>
-<ds:datastoreItem xmlns:ds="http://schemas.openxmlformats.org/officeDocument/2006/customXml" ds:itemID="{33315AA3-EAE3-44ED-8368-BAC2FFFB4817}">
-  <ds:schemaRefs>
-    <ds:schemaRef ds:uri="http://schemas.microsoft.com/sharepoint/v3/contenttype/forms"/>
-  </ds:schemaRefs>
-</ds:datastoreItem>
-</file>
-
-<file path=customXml/itemProps2.xml><?xml version="1.0" encoding="utf-8"?>
 <ds:datastoreItem xmlns:ds="http://schemas.openxmlformats.org/officeDocument/2006/customXml" ds:itemID="{627C19A7-3107-4CB2-BD0D-F7C79BE028CC}">
   <ds:schemaRefs>
     <ds:schemaRef ds:uri="http://schemas.microsoft.com/office/2006/metadata/contentType"/>
@@ -11656,6 +11545,14 @@
 </ds:datastoreItem>
 </file>
 
+<file path=customXml/itemProps2.xml><?xml version="1.0" encoding="utf-8"?>
+<ds:datastoreItem xmlns:ds="http://schemas.openxmlformats.org/officeDocument/2006/customXml" ds:itemID="{33315AA3-EAE3-44ED-8368-BAC2FFFB4817}">
+  <ds:schemaRefs>
+    <ds:schemaRef ds:uri="http://schemas.microsoft.com/sharepoint/v3/contenttype/forms"/>
+  </ds:schemaRefs>
+</ds:datastoreItem>
+</file>
+
 <file path=customXml/itemProps3.xml><?xml version="1.0" encoding="utf-8"?>
 <ds:datastoreItem xmlns:ds="http://schemas.openxmlformats.org/officeDocument/2006/customXml" ds:itemID="{D7023227-530E-4024-91EF-312A851A758C}">
   <ds:schemaRefs>
